--- a/20230328_フーリエ変換の初歩/20_fourier.pptx
+++ b/20230328_フーリエ変換の初歩/20_fourier.pptx
@@ -4040,7 +4040,7 @@
         <p:spPr>
           <a:xfrm>
             <a:off x="7093168" y="4452252"/>
-            <a:ext cx="2262158" cy="369332"/>
+            <a:ext cx="1800493" cy="369332"/>
           </a:xfrm>
           <a:prstGeom prst="rect">
             <a:avLst/>
@@ -4055,7 +4055,7 @@
           <a:p>
             <a:r>
               <a:rPr kumimoji="1" lang="ja-JP" altLang="en-US" dirty="0"/>
-              <a:t>周波数毎の振幅表示</a:t>
+              <a:t>周波数毎の振幅</a:t>
             </a:r>
           </a:p>
         </p:txBody>
